--- a/lesson_4/Лекция 4.pptx
+++ b/lesson_4/Лекция 4.pptx
@@ -113,6 +113,11 @@
       </a:defRPr>
     </a:lvl9pPr>
   </p:defaultTextStyle>
+  <p:extLst>
+    <p:ext uri="{EFAFB233-063F-42B5-8137-9DF3F51BA10A}">
+      <p15:sldGuideLst xmlns:p15="http://schemas.microsoft.com/office/powerpoint/2012/main"/>
+    </p:ext>
+  </p:extLst>
 </p:presentation>
 </file>
 
@@ -198,7 +203,7 @@
           <a:p>
             <a:fld id="{B86ADFB3-3F1B-4A48-A14D-646A997FB702}" type="datetimeFigureOut">
               <a:rPr lang="ru-RU" smtClean="0"/>
-              <a:t>19.10.2023</a:t>
+              <a:t>02.11.2023</a:t>
             </a:fld>
             <a:endParaRPr lang="ru-RU"/>
           </a:p>
@@ -3860,7 +3865,7 @@
           <a:p>
             <a:fld id="{44B509C0-71DA-4189-98F4-92AC1DC68973}" type="datetimeFigureOut">
               <a:rPr lang="ru-RU" smtClean="0"/>
-              <a:t>19.10.2023</a:t>
+              <a:t>02.11.2023</a:t>
             </a:fld>
             <a:endParaRPr lang="ru-RU"/>
           </a:p>
@@ -4058,7 +4063,7 @@
           <a:p>
             <a:fld id="{44B509C0-71DA-4189-98F4-92AC1DC68973}" type="datetimeFigureOut">
               <a:rPr lang="ru-RU" smtClean="0"/>
-              <a:t>19.10.2023</a:t>
+              <a:t>02.11.2023</a:t>
             </a:fld>
             <a:endParaRPr lang="ru-RU"/>
           </a:p>
@@ -4266,7 +4271,7 @@
           <a:p>
             <a:fld id="{44B509C0-71DA-4189-98F4-92AC1DC68973}" type="datetimeFigureOut">
               <a:rPr lang="ru-RU" smtClean="0"/>
-              <a:t>19.10.2023</a:t>
+              <a:t>02.11.2023</a:t>
             </a:fld>
             <a:endParaRPr lang="ru-RU"/>
           </a:p>
@@ -4615,7 +4620,7 @@
           <a:p>
             <a:fld id="{44B509C0-71DA-4189-98F4-92AC1DC68973}" type="datetimeFigureOut">
               <a:rPr lang="ru-RU" smtClean="0"/>
-              <a:t>19.10.2023</a:t>
+              <a:t>02.11.2023</a:t>
             </a:fld>
             <a:endParaRPr lang="ru-RU"/>
           </a:p>
@@ -4890,7 +4895,7 @@
           <a:p>
             <a:fld id="{44B509C0-71DA-4189-98F4-92AC1DC68973}" type="datetimeFigureOut">
               <a:rPr lang="ru-RU" smtClean="0"/>
-              <a:t>19.10.2023</a:t>
+              <a:t>02.11.2023</a:t>
             </a:fld>
             <a:endParaRPr lang="ru-RU"/>
           </a:p>
@@ -5155,7 +5160,7 @@
           <a:p>
             <a:fld id="{44B509C0-71DA-4189-98F4-92AC1DC68973}" type="datetimeFigureOut">
               <a:rPr lang="ru-RU" smtClean="0"/>
-              <a:t>19.10.2023</a:t>
+              <a:t>02.11.2023</a:t>
             </a:fld>
             <a:endParaRPr lang="ru-RU"/>
           </a:p>
@@ -5567,7 +5572,7 @@
           <a:p>
             <a:fld id="{44B509C0-71DA-4189-98F4-92AC1DC68973}" type="datetimeFigureOut">
               <a:rPr lang="ru-RU" smtClean="0"/>
-              <a:t>19.10.2023</a:t>
+              <a:t>02.11.2023</a:t>
             </a:fld>
             <a:endParaRPr lang="ru-RU"/>
           </a:p>
@@ -5708,7 +5713,7 @@
           <a:p>
             <a:fld id="{44B509C0-71DA-4189-98F4-92AC1DC68973}" type="datetimeFigureOut">
               <a:rPr lang="ru-RU" smtClean="0"/>
-              <a:t>19.10.2023</a:t>
+              <a:t>02.11.2023</a:t>
             </a:fld>
             <a:endParaRPr lang="ru-RU"/>
           </a:p>
@@ -5821,7 +5826,7 @@
           <a:p>
             <a:fld id="{44B509C0-71DA-4189-98F4-92AC1DC68973}" type="datetimeFigureOut">
               <a:rPr lang="ru-RU" smtClean="0"/>
-              <a:t>19.10.2023</a:t>
+              <a:t>02.11.2023</a:t>
             </a:fld>
             <a:endParaRPr lang="ru-RU"/>
           </a:p>
@@ -6132,7 +6137,7 @@
           <a:p>
             <a:fld id="{44B509C0-71DA-4189-98F4-92AC1DC68973}" type="datetimeFigureOut">
               <a:rPr lang="ru-RU" smtClean="0"/>
-              <a:t>19.10.2023</a:t>
+              <a:t>02.11.2023</a:t>
             </a:fld>
             <a:endParaRPr lang="ru-RU"/>
           </a:p>
@@ -6420,7 +6425,7 @@
           <a:p>
             <a:fld id="{44B509C0-71DA-4189-98F4-92AC1DC68973}" type="datetimeFigureOut">
               <a:rPr lang="ru-RU" smtClean="0"/>
-              <a:t>19.10.2023</a:t>
+              <a:t>02.11.2023</a:t>
             </a:fld>
             <a:endParaRPr lang="ru-RU"/>
           </a:p>
@@ -6661,7 +6666,7 @@
           <a:p>
             <a:fld id="{44B509C0-71DA-4189-98F4-92AC1DC68973}" type="datetimeFigureOut">
               <a:rPr lang="ru-RU" smtClean="0"/>
-              <a:t>19.10.2023</a:t>
+              <a:t>02.11.2023</a:t>
             </a:fld>
             <a:endParaRPr lang="ru-RU"/>
           </a:p>
@@ -10697,8 +10702,8 @@
         </p:nvSpPr>
         <p:spPr>
           <a:xfrm>
-            <a:off x="395468" y="1529741"/>
-            <a:ext cx="11401063" cy="4801314"/>
+            <a:off x="395468" y="948690"/>
+            <a:ext cx="11401063" cy="5909310"/>
           </a:xfrm>
           <a:prstGeom prst="rect">
             <a:avLst/>
@@ -10928,7 +10933,7 @@
                 </a:solidFill>
                 <a:latin typeface="Cascadia Mono" panose="020B0609020000020004" pitchFamily="49" charset="0"/>
               </a:rPr>
-              <a:t> std::endl; </a:t>
+              <a:t> std::endl;</a:t>
             </a:r>
           </a:p>
           <a:p>
@@ -10966,16 +10971,99 @@
                 </a:solidFill>
                 <a:latin typeface="Cascadia Mono" panose="020B0609020000020004" pitchFamily="49" charset="0"/>
               </a:rPr>
-              <a:t>exception</a:t>
-            </a:r>
-            <a:r>
-              <a:rPr lang="af-ZA" sz="1800" dirty="0">
-                <a:solidFill>
-                  <a:srgbClr val="000000"/>
-                </a:solidFill>
-                <a:latin typeface="Cascadia Mono" panose="020B0609020000020004" pitchFamily="49" charset="0"/>
-              </a:rPr>
-              <a:t>();</a:t>
+              <a:t>runtime_error</a:t>
+            </a:r>
+            <a:r>
+              <a:rPr lang="af-ZA" sz="1800" dirty="0">
+                <a:solidFill>
+                  <a:srgbClr val="000000"/>
+                </a:solidFill>
+                <a:latin typeface="Cascadia Mono" panose="020B0609020000020004" pitchFamily="49" charset="0"/>
+              </a:rPr>
+              <a:t>(</a:t>
+            </a:r>
+            <a:r>
+              <a:rPr lang="af-ZA" sz="1800" dirty="0">
+                <a:solidFill>
+                  <a:srgbClr val="A31515"/>
+                </a:solidFill>
+                <a:latin typeface="Cascadia Mono" panose="020B0609020000020004" pitchFamily="49" charset="0"/>
+              </a:rPr>
+              <a:t>"Hello! Im a runtime error"</a:t>
+            </a:r>
+            <a:r>
+              <a:rPr lang="af-ZA" sz="1800" dirty="0">
+                <a:solidFill>
+                  <a:srgbClr val="000000"/>
+                </a:solidFill>
+                <a:latin typeface="Cascadia Mono" panose="020B0609020000020004" pitchFamily="49" charset="0"/>
+              </a:rPr>
+              <a:t>);</a:t>
+            </a:r>
+          </a:p>
+          <a:p>
+            <a:r>
+              <a:rPr lang="af-ZA" sz="1800" dirty="0">
+                <a:solidFill>
+                  <a:srgbClr val="000000"/>
+                </a:solidFill>
+                <a:latin typeface="Cascadia Mono" panose="020B0609020000020004" pitchFamily="49" charset="0"/>
+              </a:rPr>
+              <a:t>        </a:t>
+            </a:r>
+            <a:r>
+              <a:rPr lang="af-ZA" sz="1800" dirty="0">
+                <a:solidFill>
+                  <a:srgbClr val="0000FF"/>
+                </a:solidFill>
+                <a:latin typeface="Cascadia Mono" panose="020B0609020000020004" pitchFamily="49" charset="0"/>
+              </a:rPr>
+              <a:t>throw</a:t>
+            </a:r>
+            <a:r>
+              <a:rPr lang="af-ZA" sz="1800" dirty="0">
+                <a:solidFill>
+                  <a:srgbClr val="000000"/>
+                </a:solidFill>
+                <a:latin typeface="Cascadia Mono" panose="020B0609020000020004" pitchFamily="49" charset="0"/>
+              </a:rPr>
+              <a:t> std::</a:t>
+            </a:r>
+            <a:r>
+              <a:rPr lang="af-ZA" sz="1800" dirty="0">
+                <a:solidFill>
+                  <a:srgbClr val="2B91AF"/>
+                </a:solidFill>
+                <a:latin typeface="Cascadia Mono" panose="020B0609020000020004" pitchFamily="49" charset="0"/>
+              </a:rPr>
+              <a:t>logic_error</a:t>
+            </a:r>
+            <a:r>
+              <a:rPr lang="af-ZA" sz="1800" dirty="0">
+                <a:solidFill>
+                  <a:srgbClr val="000000"/>
+                </a:solidFill>
+                <a:latin typeface="Cascadia Mono" panose="020B0609020000020004" pitchFamily="49" charset="0"/>
+              </a:rPr>
+              <a:t>(</a:t>
+            </a:r>
+            <a:r>
+              <a:rPr lang="af-ZA" sz="1800" dirty="0">
+                <a:solidFill>
+                  <a:srgbClr val="A31515"/>
+                </a:solidFill>
+                <a:latin typeface="Cascadia Mono" panose="020B0609020000020004" pitchFamily="49" charset="0"/>
+              </a:rPr>
+              <a:t>"Hello! Im a logic error"</a:t>
+            </a:r>
+            <a:r>
+              <a:rPr lang="af-ZA" sz="1800" dirty="0">
+                <a:solidFill>
+                  <a:srgbClr val="000000"/>
+                </a:solidFill>
+                <a:latin typeface="Cascadia Mono" panose="020B0609020000020004" pitchFamily="49" charset="0"/>
+              </a:rPr>
+              <a:t>);</a:t>
             </a:r>
           </a:p>
           <a:p>
@@ -11237,7 +11325,7 @@
                 </a:solidFill>
                 <a:latin typeface="Cascadia Mono" panose="020B0609020000020004" pitchFamily="49" charset="0"/>
               </a:rPr>
-              <a:t>exception</a:t>
+              <a:t>logic_error</a:t>
             </a:r>
             <a:r>
               <a:rPr lang="af-ZA" sz="1800" dirty="0">
@@ -11302,7 +11390,7 @@
                 </a:solidFill>
                 <a:latin typeface="Cascadia Mono" panose="020B0609020000020004" pitchFamily="49" charset="0"/>
               </a:rPr>
-              <a:t>"Caught an throw exception: "</a:t>
+              <a:t>"Caught an throw logic error: "</a:t>
             </a:r>
             <a:r>
               <a:rPr lang="en-US" sz="1800" dirty="0">
@@ -11414,6 +11502,201 @@
                 </a:solidFill>
                 <a:latin typeface="Cascadia Mono" panose="020B0609020000020004" pitchFamily="49" charset="0"/>
               </a:rPr>
+              <a:t>catch</a:t>
+            </a:r>
+            <a:r>
+              <a:rPr lang="af-ZA" sz="1800" dirty="0">
+                <a:solidFill>
+                  <a:srgbClr val="000000"/>
+                </a:solidFill>
+                <a:latin typeface="Cascadia Mono" panose="020B0609020000020004" pitchFamily="49" charset="0"/>
+              </a:rPr>
+              <a:t> (std::</a:t>
+            </a:r>
+            <a:r>
+              <a:rPr lang="af-ZA" sz="1800" dirty="0">
+                <a:solidFill>
+                  <a:srgbClr val="2B91AF"/>
+                </a:solidFill>
+                <a:latin typeface="Cascadia Mono" panose="020B0609020000020004" pitchFamily="49" charset="0"/>
+              </a:rPr>
+              <a:t>runtime_error</a:t>
+            </a:r>
+            <a:r>
+              <a:rPr lang="af-ZA" sz="1800" dirty="0">
+                <a:solidFill>
+                  <a:srgbClr val="000000"/>
+                </a:solidFill>
+                <a:latin typeface="Cascadia Mono" panose="020B0609020000020004" pitchFamily="49" charset="0"/>
+              </a:rPr>
+              <a:t> e) {</a:t>
+            </a:r>
+          </a:p>
+          <a:p>
+            <a:r>
+              <a:rPr lang="en-US" sz="1800" dirty="0">
+                <a:solidFill>
+                  <a:srgbClr val="000000"/>
+                </a:solidFill>
+                <a:latin typeface="Cascadia Mono" panose="020B0609020000020004" pitchFamily="49" charset="0"/>
+              </a:rPr>
+              <a:t>        std::</a:t>
+            </a:r>
+            <a:r>
+              <a:rPr lang="en-US" sz="1800" dirty="0" err="1">
+                <a:solidFill>
+                  <a:srgbClr val="000000"/>
+                </a:solidFill>
+                <a:latin typeface="Cascadia Mono" panose="020B0609020000020004" pitchFamily="49" charset="0"/>
+              </a:rPr>
+              <a:t>cerr</a:t>
+            </a:r>
+            <a:r>
+              <a:rPr lang="en-US" sz="1800" dirty="0">
+                <a:solidFill>
+                  <a:srgbClr val="000000"/>
+                </a:solidFill>
+                <a:latin typeface="Cascadia Mono" panose="020B0609020000020004" pitchFamily="49" charset="0"/>
+              </a:rPr>
+              <a:t> </a:t>
+            </a:r>
+            <a:r>
+              <a:rPr lang="en-US" sz="1800" dirty="0">
+                <a:solidFill>
+                  <a:srgbClr val="008080"/>
+                </a:solidFill>
+                <a:latin typeface="Cascadia Mono" panose="020B0609020000020004" pitchFamily="49" charset="0"/>
+              </a:rPr>
+              <a:t>&lt;&lt;</a:t>
+            </a:r>
+            <a:r>
+              <a:rPr lang="en-US" sz="1800" dirty="0">
+                <a:solidFill>
+                  <a:srgbClr val="000000"/>
+                </a:solidFill>
+                <a:latin typeface="Cascadia Mono" panose="020B0609020000020004" pitchFamily="49" charset="0"/>
+              </a:rPr>
+              <a:t> </a:t>
+            </a:r>
+            <a:r>
+              <a:rPr lang="en-US" sz="1800" dirty="0">
+                <a:solidFill>
+                  <a:srgbClr val="A31515"/>
+                </a:solidFill>
+                <a:latin typeface="Cascadia Mono" panose="020B0609020000020004" pitchFamily="49" charset="0"/>
+              </a:rPr>
+              <a:t>"Caught an throw runtime error: "</a:t>
+            </a:r>
+            <a:r>
+              <a:rPr lang="en-US" sz="1800" dirty="0">
+                <a:solidFill>
+                  <a:srgbClr val="000000"/>
+                </a:solidFill>
+                <a:latin typeface="Cascadia Mono" panose="020B0609020000020004" pitchFamily="49" charset="0"/>
+              </a:rPr>
+              <a:t> </a:t>
+            </a:r>
+            <a:r>
+              <a:rPr lang="en-US" sz="1800" dirty="0">
+                <a:solidFill>
+                  <a:srgbClr val="008080"/>
+                </a:solidFill>
+                <a:latin typeface="Cascadia Mono" panose="020B0609020000020004" pitchFamily="49" charset="0"/>
+              </a:rPr>
+              <a:t>&lt;&lt;</a:t>
+            </a:r>
+            <a:r>
+              <a:rPr lang="en-US" sz="1800" dirty="0">
+                <a:solidFill>
+                  <a:srgbClr val="000000"/>
+                </a:solidFill>
+                <a:latin typeface="Cascadia Mono" panose="020B0609020000020004" pitchFamily="49" charset="0"/>
+              </a:rPr>
+              <a:t> </a:t>
+            </a:r>
+            <a:r>
+              <a:rPr lang="en-US" sz="1800" dirty="0" err="1">
+                <a:solidFill>
+                  <a:srgbClr val="000000"/>
+                </a:solidFill>
+                <a:latin typeface="Cascadia Mono" panose="020B0609020000020004" pitchFamily="49" charset="0"/>
+              </a:rPr>
+              <a:t>e.what</a:t>
+            </a:r>
+            <a:r>
+              <a:rPr lang="en-US" sz="1800" dirty="0">
+                <a:solidFill>
+                  <a:srgbClr val="000000"/>
+                </a:solidFill>
+                <a:latin typeface="Cascadia Mono" panose="020B0609020000020004" pitchFamily="49" charset="0"/>
+              </a:rPr>
+              <a:t>() </a:t>
+            </a:r>
+            <a:r>
+              <a:rPr lang="en-US" sz="1800" dirty="0">
+                <a:solidFill>
+                  <a:srgbClr val="008080"/>
+                </a:solidFill>
+                <a:latin typeface="Cascadia Mono" panose="020B0609020000020004" pitchFamily="49" charset="0"/>
+              </a:rPr>
+              <a:t>&lt;&lt;</a:t>
+            </a:r>
+            <a:r>
+              <a:rPr lang="en-US" sz="1800" dirty="0">
+                <a:solidFill>
+                  <a:srgbClr val="000000"/>
+                </a:solidFill>
+                <a:latin typeface="Cascadia Mono" panose="020B0609020000020004" pitchFamily="49" charset="0"/>
+              </a:rPr>
+              <a:t> std::</a:t>
+            </a:r>
+            <a:r>
+              <a:rPr lang="en-US" sz="1800" dirty="0" err="1">
+                <a:solidFill>
+                  <a:srgbClr val="000000"/>
+                </a:solidFill>
+                <a:latin typeface="Cascadia Mono" panose="020B0609020000020004" pitchFamily="49" charset="0"/>
+              </a:rPr>
+              <a:t>endl</a:t>
+            </a:r>
+            <a:r>
+              <a:rPr lang="en-US" sz="1800" dirty="0">
+                <a:solidFill>
+                  <a:srgbClr val="000000"/>
+                </a:solidFill>
+                <a:latin typeface="Cascadia Mono" panose="020B0609020000020004" pitchFamily="49" charset="0"/>
+              </a:rPr>
+              <a:t>;</a:t>
+            </a:r>
+          </a:p>
+          <a:p>
+            <a:r>
+              <a:rPr lang="ru-RU" sz="1800" dirty="0">
+                <a:solidFill>
+                  <a:srgbClr val="000000"/>
+                </a:solidFill>
+                <a:latin typeface="Cascadia Mono" panose="020B0609020000020004" pitchFamily="49" charset="0"/>
+              </a:rPr>
+              <a:t>    }</a:t>
+            </a:r>
+          </a:p>
+          <a:p>
+            <a:r>
+              <a:rPr lang="af-ZA" sz="1800" dirty="0">
+                <a:solidFill>
+                  <a:srgbClr val="000000"/>
+                </a:solidFill>
+                <a:latin typeface="Cascadia Mono" panose="020B0609020000020004" pitchFamily="49" charset="0"/>
+              </a:rPr>
+              <a:t>    </a:t>
+            </a:r>
+            <a:r>
+              <a:rPr lang="af-ZA" sz="1800" dirty="0">
+                <a:solidFill>
+                  <a:srgbClr val="0000FF"/>
+                </a:solidFill>
+                <a:latin typeface="Cascadia Mono" panose="020B0609020000020004" pitchFamily="49" charset="0"/>
+              </a:rPr>
               <a:t>return</a:t>
             </a:r>
             <a:r>
@@ -11436,7 +11719,6 @@
               </a:rPr>
               <a:t>}</a:t>
             </a:r>
-            <a:endParaRPr lang="ru-RU" dirty="0"/>
           </a:p>
         </p:txBody>
       </p:sp>
